--- a/slide/aj.warodom/powerpoint/06 - RPC and REST - React.pptx
+++ b/slide/aj.warodom/powerpoint/06 - RPC and REST - React.pptx
@@ -299,7 +299,7 @@
           <a:p>
             <a:fld id="{764D39C1-A66A-40C7-BCC0-0B3B861FC29D}" type="datetimeFigureOut">
               <a:rPr lang="en-US" smtClean="0"/>
-              <a:t>3/25/2019</a:t>
+              <a:t>4/28/2019</a:t>
             </a:fld>
             <a:endParaRPr lang="en-US"/>
           </a:p>
@@ -2561,7 +2561,7 @@
           <a:p>
             <a:fld id="{C7234B25-9D40-4905-8DD3-CAAF261BE674}" type="datetime1">
               <a:rPr lang="en-US" smtClean="0"/>
-              <a:t>3/25/2019</a:t>
+              <a:t>4/28/2019</a:t>
             </a:fld>
             <a:endParaRPr lang="en-US" dirty="0"/>
           </a:p>
@@ -2837,7 +2837,7 @@
           <a:p>
             <a:fld id="{C7234B25-9D40-4905-8DD3-CAAF261BE674}" type="datetime1">
               <a:rPr lang="en-US" smtClean="0"/>
-              <a:t>3/25/2019</a:t>
+              <a:t>4/28/2019</a:t>
             </a:fld>
             <a:endParaRPr lang="en-US" dirty="0"/>
           </a:p>
@@ -3032,7 +3032,7 @@
           <a:p>
             <a:fld id="{C7234B25-9D40-4905-8DD3-CAAF261BE674}" type="datetime1">
               <a:rPr lang="en-US" smtClean="0"/>
-              <a:t>3/25/2019</a:t>
+              <a:t>4/28/2019</a:t>
             </a:fld>
             <a:endParaRPr lang="en-US" dirty="0"/>
           </a:p>
@@ -3301,7 +3301,7 @@
           <a:p>
             <a:fld id="{C7234B25-9D40-4905-8DD3-CAAF261BE674}" type="datetime1">
               <a:rPr lang="en-US" smtClean="0"/>
-              <a:t>3/25/2019</a:t>
+              <a:t>4/28/2019</a:t>
             </a:fld>
             <a:endParaRPr lang="en-US" dirty="0"/>
           </a:p>
@@ -3634,7 +3634,7 @@
           <a:p>
             <a:fld id="{C7234B25-9D40-4905-8DD3-CAAF261BE674}" type="datetime1">
               <a:rPr lang="en-US" smtClean="0"/>
-              <a:t>3/25/2019</a:t>
+              <a:t>4/28/2019</a:t>
             </a:fld>
             <a:endParaRPr lang="en-US" dirty="0"/>
           </a:p>
@@ -4245,7 +4245,7 @@
           <a:p>
             <a:fld id="{C7234B25-9D40-4905-8DD3-CAAF261BE674}" type="datetime1">
               <a:rPr lang="en-US" smtClean="0"/>
-              <a:t>3/25/2019</a:t>
+              <a:t>4/28/2019</a:t>
             </a:fld>
             <a:endParaRPr lang="en-US" dirty="0"/>
           </a:p>
@@ -5093,7 +5093,7 @@
           <a:p>
             <a:fld id="{C7234B25-9D40-4905-8DD3-CAAF261BE674}" type="datetime1">
               <a:rPr lang="en-US" smtClean="0"/>
-              <a:t>3/25/2019</a:t>
+              <a:t>4/28/2019</a:t>
             </a:fld>
             <a:endParaRPr lang="en-US" dirty="0"/>
           </a:p>
@@ -5264,7 +5264,7 @@
           <a:p>
             <a:fld id="{C7234B25-9D40-4905-8DD3-CAAF261BE674}" type="datetime1">
               <a:rPr lang="en-US" smtClean="0"/>
-              <a:t>3/25/2019</a:t>
+              <a:t>4/28/2019</a:t>
             </a:fld>
             <a:endParaRPr lang="en-US" dirty="0"/>
           </a:p>
@@ -5445,7 +5445,7 @@
           <a:p>
             <a:fld id="{C7234B25-9D40-4905-8DD3-CAAF261BE674}" type="datetime1">
               <a:rPr lang="en-US" smtClean="0"/>
-              <a:t>3/25/2019</a:t>
+              <a:t>4/28/2019</a:t>
             </a:fld>
             <a:endParaRPr lang="en-US" dirty="0"/>
           </a:p>
@@ -5616,7 +5616,7 @@
           <a:p>
             <a:fld id="{C7234B25-9D40-4905-8DD3-CAAF261BE674}" type="datetime1">
               <a:rPr lang="en-US" smtClean="0"/>
-              <a:t>3/25/2019</a:t>
+              <a:t>4/28/2019</a:t>
             </a:fld>
             <a:endParaRPr lang="en-US" dirty="0"/>
           </a:p>
@@ -5861,7 +5861,7 @@
           <a:p>
             <a:fld id="{C7234B25-9D40-4905-8DD3-CAAF261BE674}" type="datetime1">
               <a:rPr lang="en-US" smtClean="0"/>
-              <a:t>3/25/2019</a:t>
+              <a:t>4/28/2019</a:t>
             </a:fld>
             <a:endParaRPr lang="en-US" dirty="0"/>
           </a:p>
@@ -6154,7 +6154,7 @@
           <a:p>
             <a:fld id="{C7234B25-9D40-4905-8DD3-CAAF261BE674}" type="datetime1">
               <a:rPr lang="en-US" smtClean="0"/>
-              <a:t>3/25/2019</a:t>
+              <a:t>4/28/2019</a:t>
             </a:fld>
             <a:endParaRPr lang="en-US" dirty="0"/>
           </a:p>
@@ -6593,7 +6593,7 @@
           <a:p>
             <a:fld id="{C7234B25-9D40-4905-8DD3-CAAF261BE674}" type="datetime1">
               <a:rPr lang="en-US" smtClean="0"/>
-              <a:t>3/25/2019</a:t>
+              <a:t>4/28/2019</a:t>
             </a:fld>
             <a:endParaRPr lang="en-US" dirty="0"/>
           </a:p>
@@ -6712,7 +6712,7 @@
           <a:p>
             <a:fld id="{C7234B25-9D40-4905-8DD3-CAAF261BE674}" type="datetime1">
               <a:rPr lang="en-US" smtClean="0"/>
-              <a:t>3/25/2019</a:t>
+              <a:t>4/28/2019</a:t>
             </a:fld>
             <a:endParaRPr lang="en-US" dirty="0"/>
           </a:p>
@@ -6808,7 +6808,7 @@
           <a:p>
             <a:fld id="{C7234B25-9D40-4905-8DD3-CAAF261BE674}" type="datetime1">
               <a:rPr lang="en-US" smtClean="0"/>
-              <a:t>3/25/2019</a:t>
+              <a:t>4/28/2019</a:t>
             </a:fld>
             <a:endParaRPr lang="en-US" dirty="0"/>
           </a:p>
@@ -7088,7 +7088,7 @@
           <a:p>
             <a:fld id="{C7234B25-9D40-4905-8DD3-CAAF261BE674}" type="datetime1">
               <a:rPr lang="en-US" smtClean="0"/>
-              <a:t>3/25/2019</a:t>
+              <a:t>4/28/2019</a:t>
             </a:fld>
             <a:endParaRPr lang="en-US" dirty="0"/>
           </a:p>
@@ -7364,7 +7364,7 @@
           <a:p>
             <a:fld id="{C7234B25-9D40-4905-8DD3-CAAF261BE674}" type="datetime1">
               <a:rPr lang="en-US" smtClean="0"/>
-              <a:t>3/25/2019</a:t>
+              <a:t>4/28/2019</a:t>
             </a:fld>
             <a:endParaRPr lang="en-US" dirty="0"/>
           </a:p>
@@ -7794,7 +7794,7 @@
           <a:p>
             <a:fld id="{C7234B25-9D40-4905-8DD3-CAAF261BE674}" type="datetime1">
               <a:rPr lang="en-US" smtClean="0"/>
-              <a:t>3/25/2019</a:t>
+              <a:t>4/28/2019</a:t>
             </a:fld>
             <a:endParaRPr lang="en-US" dirty="0"/>
           </a:p>
@@ -10887,29 +10887,29 @@
               <a:buNone/>
             </a:pPr>
             <a:r>
-              <a:rPr lang="en-US" altLang="en-US" sz="1980" b="1">
+              <a:rPr lang="en-US" altLang="en-US" sz="1980" b="1" dirty="0">
                 <a:latin typeface="Arial" panose="020B0604020202020204" pitchFamily="34" charset="0"/>
               </a:rPr>
               <a:t>Nouns (Resources)</a:t>
             </a:r>
             <a:br>
-              <a:rPr lang="en-US" altLang="en-US" sz="1980" b="1">
+              <a:rPr lang="en-US" altLang="en-US" sz="1980" b="1" dirty="0">
                 <a:latin typeface="Arial" panose="020B0604020202020204" pitchFamily="34" charset="0"/>
               </a:rPr>
             </a:br>
             <a:r>
-              <a:rPr lang="en-US" altLang="en-US" sz="1980" i="1">
+              <a:rPr lang="en-US" altLang="en-US" sz="1980" i="1" dirty="0">
                 <a:latin typeface="Arial" panose="020B0604020202020204" pitchFamily="34" charset="0"/>
               </a:rPr>
               <a:t>unconstrained</a:t>
             </a:r>
             <a:br>
-              <a:rPr lang="en-US" altLang="en-US" sz="1980">
+              <a:rPr lang="en-US" altLang="en-US" sz="1980" dirty="0">
                 <a:latin typeface="Arial" panose="020B0604020202020204" pitchFamily="34" charset="0"/>
               </a:rPr>
             </a:br>
             <a:r>
-              <a:rPr lang="en-US" altLang="en-US" sz="1980">
+              <a:rPr lang="en-US" altLang="en-US" sz="1980" dirty="0">
                 <a:latin typeface="Arial" panose="020B0604020202020204" pitchFamily="34" charset="0"/>
               </a:rPr>
               <a:t>i.e., http://example.com/employees/12345</a:t>
@@ -11081,29 +11081,29 @@
               <a:buNone/>
             </a:pPr>
             <a:r>
-              <a:rPr lang="en-US" altLang="en-US" sz="1980" b="1">
+              <a:rPr lang="en-US" altLang="en-US" sz="1980" b="1" dirty="0">
                 <a:latin typeface="Arial" panose="020B0604020202020204" pitchFamily="34" charset="0"/>
               </a:rPr>
               <a:t>Verbs</a:t>
             </a:r>
             <a:br>
-              <a:rPr lang="en-US" altLang="en-US" sz="1980" b="1">
+              <a:rPr lang="en-US" altLang="en-US" sz="1980" b="1" dirty="0">
                 <a:latin typeface="Arial" panose="020B0604020202020204" pitchFamily="34" charset="0"/>
               </a:rPr>
             </a:br>
             <a:r>
-              <a:rPr lang="en-US" altLang="en-US" sz="1980" i="1">
+              <a:rPr lang="en-US" altLang="en-US" sz="1980" i="1" dirty="0">
                 <a:latin typeface="Arial" panose="020B0604020202020204" pitchFamily="34" charset="0"/>
               </a:rPr>
               <a:t>constrained</a:t>
             </a:r>
             <a:br>
-              <a:rPr lang="en-US" altLang="en-US" sz="1980">
+              <a:rPr lang="en-US" altLang="en-US" sz="1980" dirty="0">
                 <a:latin typeface="Arial" panose="020B0604020202020204" pitchFamily="34" charset="0"/>
               </a:rPr>
             </a:br>
             <a:r>
-              <a:rPr lang="en-US" altLang="en-US" sz="1980">
+              <a:rPr lang="en-US" altLang="en-US" sz="1980" dirty="0">
                 <a:latin typeface="Arial" panose="020B0604020202020204" pitchFamily="34" charset="0"/>
               </a:rPr>
               <a:t>i.e., GET</a:t>
@@ -11662,7 +11662,7 @@
           <a:lstStyle/>
           <a:p>
             <a:r>
-              <a:rPr lang="en-US" altLang="en-US"/>
+              <a:rPr lang="en-US" altLang="en-US" dirty="0"/>
               <a:t>Verbs</a:t>
             </a:r>
           </a:p>
@@ -11684,34 +11684,34 @@
           <a:lstStyle/>
           <a:p>
             <a:r>
-              <a:rPr lang="en-US" altLang="en-US" sz="2520"/>
+              <a:rPr lang="en-US" altLang="en-US" sz="2520" dirty="0"/>
               <a:t>Represent the actions to be performed on resources</a:t>
             </a:r>
           </a:p>
           <a:p>
-            <a:endParaRPr lang="en-US" altLang="en-US" sz="2520"/>
-          </a:p>
-          <a:p>
-            <a:r>
-              <a:rPr lang="en-US" altLang="en-US" sz="2520"/>
+            <a:endParaRPr lang="en-US" altLang="en-US" sz="2520" dirty="0"/>
+          </a:p>
+          <a:p>
+            <a:r>
+              <a:rPr lang="en-US" altLang="en-US" sz="2520" dirty="0"/>
               <a:t>HTTP GET </a:t>
             </a:r>
           </a:p>
           <a:p>
             <a:r>
-              <a:rPr lang="en-US" altLang="en-US" sz="2520"/>
+              <a:rPr lang="en-US" altLang="en-US" sz="2520" dirty="0"/>
               <a:t>HTTP POST</a:t>
             </a:r>
           </a:p>
           <a:p>
             <a:r>
-              <a:rPr lang="en-US" altLang="en-US" sz="2520"/>
+              <a:rPr lang="en-US" altLang="en-US" sz="2520" dirty="0"/>
               <a:t>HTTP PUT</a:t>
             </a:r>
           </a:p>
           <a:p>
             <a:r>
-              <a:rPr lang="en-US" altLang="en-US" sz="2520"/>
+              <a:rPr lang="en-US" altLang="en-US" sz="2520" dirty="0"/>
               <a:t>HTTP DELETE</a:t>
             </a:r>
           </a:p>
@@ -24481,7 +24481,12 @@
             <p:ph type="title"/>
           </p:nvPr>
         </p:nvSpPr>
-        <p:spPr/>
+        <p:spPr>
+          <a:xfrm>
+            <a:off x="646111" y="423221"/>
+            <a:ext cx="9404723" cy="1400530"/>
+          </a:xfrm>
+        </p:spPr>
         <p:txBody>
           <a:bodyPr/>
           <a:lstStyle/>
@@ -33903,10 +33908,10 @@
           <a:lstStyle/>
           <a:p>
             <a:r>
-              <a:rPr lang="en-US" altLang="en-US"/>
+              <a:rPr lang="en-US" altLang="en-US" dirty="0"/>
               <a:t>Characteristics</a:t>
             </a:r>
-            <a:endParaRPr lang="en-US" altLang="zh-TW"/>
+            <a:endParaRPr lang="en-US" altLang="zh-TW" dirty="0"/>
           </a:p>
         </p:txBody>
       </p:sp>
@@ -34208,10 +34213,10 @@
           <a:lstStyle/>
           <a:p>
             <a:r>
-              <a:rPr lang="en-US" altLang="en-US"/>
+              <a:rPr lang="en-US" altLang="en-US" dirty="0"/>
               <a:t>Features</a:t>
             </a:r>
-            <a:endParaRPr lang="en-US" altLang="zh-TW"/>
+            <a:endParaRPr lang="en-US" altLang="zh-TW" dirty="0"/>
           </a:p>
         </p:txBody>
       </p:sp>
@@ -34339,10 +34344,10 @@
           <a:lstStyle/>
           <a:p>
             <a:r>
-              <a:rPr lang="en-US" altLang="en-US"/>
+              <a:rPr lang="en-US" altLang="en-US" dirty="0"/>
               <a:t>Limitations</a:t>
             </a:r>
-            <a:endParaRPr lang="en-US" altLang="zh-TW"/>
+            <a:endParaRPr lang="en-US" altLang="zh-TW" dirty="0"/>
           </a:p>
         </p:txBody>
       </p:sp>
@@ -34490,10 +34495,10 @@
           <a:lstStyle/>
           <a:p>
             <a:r>
-              <a:rPr lang="en-US" altLang="en-US"/>
+              <a:rPr lang="en-US" altLang="en-US" dirty="0"/>
               <a:t>Design Issues</a:t>
             </a:r>
-            <a:endParaRPr lang="en-US" altLang="zh-TW"/>
+            <a:endParaRPr lang="en-US" altLang="zh-TW" dirty="0"/>
           </a:p>
         </p:txBody>
       </p:sp>
